--- a/img/card/qr.pptx
+++ b/img/card/qr.pptx
@@ -7,6 +7,7 @@
   <p:sldIdLst>
     <p:sldId id="258" r:id="rId2"/>
     <p:sldId id="259" r:id="rId3"/>
+    <p:sldId id="260" r:id="rId4"/>
   </p:sldIdLst>
   <p:sldSz cx="1979613" cy="3276600"/>
   <p:notesSz cx="6858000" cy="9144000"/>
@@ -244,7 +245,7 @@
           <a:p>
             <a:fld id="{C764DE79-268F-4C1A-8933-263129D2AF90}" type="datetimeFigureOut">
               <a:rPr lang="en-US" dirty="0"/>
-              <a:t>4/9/24</a:t>
+              <a:t>4/10/24</a:t>
             </a:fld>
             <a:endParaRPr lang="en-US" dirty="0"/>
           </a:p>
@@ -446,7 +447,7 @@
           <a:p>
             <a:fld id="{C764DE79-268F-4C1A-8933-263129D2AF90}" type="datetimeFigureOut">
               <a:rPr lang="en-US" dirty="0"/>
-              <a:t>4/9/24</a:t>
+              <a:t>4/10/24</a:t>
             </a:fld>
             <a:endParaRPr lang="en-US" dirty="0"/>
           </a:p>
@@ -658,7 +659,7 @@
           <a:p>
             <a:fld id="{C764DE79-268F-4C1A-8933-263129D2AF90}" type="datetimeFigureOut">
               <a:rPr lang="en-US" dirty="0"/>
-              <a:t>4/9/24</a:t>
+              <a:t>4/10/24</a:t>
             </a:fld>
             <a:endParaRPr lang="en-US" dirty="0"/>
           </a:p>
@@ -890,7 +891,7 @@
           <a:p>
             <a:fld id="{C764DE79-268F-4C1A-8933-263129D2AF90}" type="datetimeFigureOut">
               <a:rPr lang="en-US" dirty="0"/>
-              <a:t>4/9/24</a:t>
+              <a:t>4/10/24</a:t>
             </a:fld>
             <a:endParaRPr lang="en-US" dirty="0"/>
           </a:p>
@@ -1134,7 +1135,7 @@
           <a:p>
             <a:fld id="{C764DE79-268F-4C1A-8933-263129D2AF90}" type="datetimeFigureOut">
               <a:rPr lang="en-US" dirty="0"/>
-              <a:t>4/9/24</a:t>
+              <a:t>4/10/24</a:t>
             </a:fld>
             <a:endParaRPr lang="en-US" dirty="0"/>
           </a:p>
@@ -1430,7 +1431,7 @@
           <a:p>
             <a:fld id="{C764DE79-268F-4C1A-8933-263129D2AF90}" type="datetimeFigureOut">
               <a:rPr lang="en-US" dirty="0"/>
-              <a:t>4/9/24</a:t>
+              <a:t>4/10/24</a:t>
             </a:fld>
             <a:endParaRPr lang="en-US" dirty="0"/>
           </a:p>
@@ -1861,7 +1862,7 @@
           <a:p>
             <a:fld id="{C764DE79-268F-4C1A-8933-263129D2AF90}" type="datetimeFigureOut">
               <a:rPr lang="en-US" dirty="0"/>
-              <a:t>4/9/24</a:t>
+              <a:t>4/10/24</a:t>
             </a:fld>
             <a:endParaRPr lang="en-US" dirty="0"/>
           </a:p>
@@ -1979,7 +1980,7 @@
           <a:p>
             <a:fld id="{C764DE79-268F-4C1A-8933-263129D2AF90}" type="datetimeFigureOut">
               <a:rPr lang="en-US" dirty="0"/>
-              <a:t>4/9/24</a:t>
+              <a:t>4/10/24</a:t>
             </a:fld>
             <a:endParaRPr lang="en-US" dirty="0"/>
           </a:p>
@@ -2074,7 +2075,7 @@
           <a:p>
             <a:fld id="{C764DE79-268F-4C1A-8933-263129D2AF90}" type="datetimeFigureOut">
               <a:rPr lang="en-US" dirty="0"/>
-              <a:t>4/9/24</a:t>
+              <a:t>4/10/24</a:t>
             </a:fld>
             <a:endParaRPr lang="en-US" dirty="0"/>
           </a:p>
@@ -2383,7 +2384,7 @@
           <a:p>
             <a:fld id="{C764DE79-268F-4C1A-8933-263129D2AF90}" type="datetimeFigureOut">
               <a:rPr lang="en-US" dirty="0"/>
-              <a:t>4/9/24</a:t>
+              <a:t>4/10/24</a:t>
             </a:fld>
             <a:endParaRPr lang="en-US" dirty="0"/>
           </a:p>
@@ -2640,7 +2641,7 @@
           <a:p>
             <a:fld id="{C764DE79-268F-4C1A-8933-263129D2AF90}" type="datetimeFigureOut">
               <a:rPr lang="en-US" dirty="0"/>
-              <a:t>4/9/24</a:t>
+              <a:t>4/10/24</a:t>
             </a:fld>
             <a:endParaRPr lang="en-US" dirty="0"/>
           </a:p>
@@ -2885,7 +2886,7 @@
           <a:p>
             <a:fld id="{C764DE79-268F-4C1A-8933-263129D2AF90}" type="datetimeFigureOut">
               <a:rPr lang="en-US" dirty="0"/>
-              <a:t>4/9/24</a:t>
+              <a:t>4/10/24</a:t>
             </a:fld>
             <a:endParaRPr lang="en-US" dirty="0"/>
           </a:p>
@@ -3809,6 +3810,224 @@
 </p:sld>
 </file>
 
+<file path=ppt/slides/slide3.xml><?xml version="1.0" encoding="utf-8"?>
+<p:sld xmlns:a="http://schemas.openxmlformats.org/drawingml/2006/main" xmlns:r="http://schemas.openxmlformats.org/officeDocument/2006/relationships" xmlns:p="http://schemas.openxmlformats.org/presentationml/2006/main">
+  <p:cSld>
+    <p:bg>
+      <p:bgPr>
+        <a:solidFill>
+          <a:srgbClr val="0B65C3"/>
+        </a:solidFill>
+        <a:effectLst/>
+      </p:bgPr>
+    </p:bg>
+    <p:spTree>
+      <p:nvGrpSpPr>
+        <p:cNvPr id="1" name=""/>
+        <p:cNvGrpSpPr/>
+        <p:nvPr/>
+      </p:nvGrpSpPr>
+      <p:grpSpPr>
+        <a:xfrm>
+          <a:off x="0" y="0"/>
+          <a:ext cx="0" cy="0"/>
+          <a:chOff x="0" y="0"/>
+          <a:chExt cx="0" cy="0"/>
+        </a:xfrm>
+      </p:grpSpPr>
+      <p:sp>
+        <p:nvSpPr>
+          <p:cNvPr id="2" name="角丸四角形 1">
+            <a:extLst>
+              <a:ext uri="{FF2B5EF4-FFF2-40B4-BE49-F238E27FC236}">
+                <a16:creationId xmlns:a16="http://schemas.microsoft.com/office/drawing/2014/main" id="{0E928BC6-A7E3-750B-2463-B3EA22453617}"/>
+              </a:ext>
+            </a:extLst>
+          </p:cNvPr>
+          <p:cNvSpPr>
+            <a:spLocks noChangeAspect="1"/>
+          </p:cNvSpPr>
+          <p:nvPr/>
+        </p:nvSpPr>
+        <p:spPr>
+          <a:xfrm>
+            <a:off x="269806" y="918300"/>
+            <a:ext cx="1440000" cy="1440000"/>
+          </a:xfrm>
+          <a:prstGeom prst="roundRect">
+            <a:avLst>
+              <a:gd name="adj" fmla="val 10691"/>
+            </a:avLst>
+          </a:prstGeom>
+          <a:solidFill>
+            <a:schemeClr val="bg1"/>
+          </a:solidFill>
+          <a:ln>
+            <a:noFill/>
+          </a:ln>
+        </p:spPr>
+        <p:style>
+          <a:lnRef idx="2">
+            <a:schemeClr val="accent1">
+              <a:shade val="15000"/>
+            </a:schemeClr>
+          </a:lnRef>
+          <a:fillRef idx="1">
+            <a:schemeClr val="accent1"/>
+          </a:fillRef>
+          <a:effectRef idx="0">
+            <a:schemeClr val="accent1"/>
+          </a:effectRef>
+          <a:fontRef idx="minor">
+            <a:schemeClr val="lt1"/>
+          </a:fontRef>
+        </p:style>
+        <p:txBody>
+          <a:bodyPr rtlCol="0" anchor="ctr"/>
+          <a:lstStyle/>
+          <a:p>
+            <a:pPr algn="ctr"/>
+            <a:endParaRPr kumimoji="1" lang="ja-JP" altLang="en-US"/>
+          </a:p>
+        </p:txBody>
+      </p:sp>
+      <p:grpSp>
+        <p:nvGrpSpPr>
+          <p:cNvPr id="3" name="グループ化 2">
+            <a:extLst>
+              <a:ext uri="{FF2B5EF4-FFF2-40B4-BE49-F238E27FC236}">
+                <a16:creationId xmlns:a16="http://schemas.microsoft.com/office/drawing/2014/main" id="{1116D852-D41C-32A5-3CA6-E8CB910E9CFF}"/>
+              </a:ext>
+            </a:extLst>
+          </p:cNvPr>
+          <p:cNvGrpSpPr/>
+          <p:nvPr/>
+        </p:nvGrpSpPr>
+        <p:grpSpPr>
+          <a:xfrm>
+            <a:off x="269806" y="1051736"/>
+            <a:ext cx="1440000" cy="1173128"/>
+            <a:chOff x="269806" y="1098300"/>
+            <a:chExt cx="1440000" cy="1173128"/>
+          </a:xfrm>
+        </p:grpSpPr>
+        <p:pic>
+          <p:nvPicPr>
+            <p:cNvPr id="4" name="図 3">
+              <a:extLst>
+                <a:ext uri="{FF2B5EF4-FFF2-40B4-BE49-F238E27FC236}">
+                  <a16:creationId xmlns:a16="http://schemas.microsoft.com/office/drawing/2014/main" id="{AC9C40A1-570F-10A7-C240-D151CAD890D6}"/>
+                </a:ext>
+              </a:extLst>
+            </p:cNvPr>
+            <p:cNvPicPr>
+              <a:picLocks noChangeAspect="1"/>
+            </p:cNvPicPr>
+            <p:nvPr/>
+          </p:nvPicPr>
+          <p:blipFill>
+            <a:blip r:embed="rId2">
+              <a:extLst>
+                <a:ext uri="{28A0092B-C50C-407E-A947-70E740481C1C}">
+                  <a14:useLocalDpi xmlns:a14="http://schemas.microsoft.com/office/drawing/2010/main" val="0"/>
+                </a:ext>
+              </a:extLst>
+            </a:blip>
+            <a:srcRect/>
+            <a:stretch/>
+          </p:blipFill>
+          <p:spPr>
+            <a:xfrm>
+              <a:off x="449806" y="1098300"/>
+              <a:ext cx="1080000" cy="1080000"/>
+            </a:xfrm>
+            <a:prstGeom prst="rect">
+              <a:avLst/>
+            </a:prstGeom>
+          </p:spPr>
+        </p:pic>
+        <p:sp>
+          <p:nvSpPr>
+            <p:cNvPr id="5" name="正方形/長方形 4">
+              <a:extLst>
+                <a:ext uri="{FF2B5EF4-FFF2-40B4-BE49-F238E27FC236}">
+                  <a16:creationId xmlns:a16="http://schemas.microsoft.com/office/drawing/2014/main" id="{F5B4BF65-FB8A-14FC-E30D-85216647B270}"/>
+                </a:ext>
+              </a:extLst>
+            </p:cNvPr>
+            <p:cNvSpPr/>
+            <p:nvPr/>
+          </p:nvSpPr>
+          <p:spPr>
+            <a:xfrm>
+              <a:off x="269806" y="2178300"/>
+              <a:ext cx="1440000" cy="93128"/>
+            </a:xfrm>
+            <a:prstGeom prst="rect">
+              <a:avLst/>
+            </a:prstGeom>
+            <a:noFill/>
+            <a:ln>
+              <a:noFill/>
+            </a:ln>
+          </p:spPr>
+          <p:style>
+            <a:lnRef idx="2">
+              <a:schemeClr val="accent1">
+                <a:shade val="15000"/>
+              </a:schemeClr>
+            </a:lnRef>
+            <a:fillRef idx="1">
+              <a:schemeClr val="accent1"/>
+            </a:fillRef>
+            <a:effectRef idx="0">
+              <a:schemeClr val="accent1"/>
+            </a:effectRef>
+            <a:fontRef idx="minor">
+              <a:schemeClr val="lt1"/>
+            </a:fontRef>
+          </p:style>
+          <p:txBody>
+            <a:bodyPr rtlCol="0" anchor="ctr"/>
+            <a:lstStyle/>
+            <a:p>
+              <a:pPr algn="ctr"/>
+              <a:r>
+                <a:rPr kumimoji="1" lang="en-US" altLang="ja-JP" sz="800" b="1" dirty="0">
+                  <a:solidFill>
+                    <a:srgbClr val="0B65C3"/>
+                  </a:solidFill>
+                  <a:latin typeface="Arial" panose="020B0604020202020204" pitchFamily="34" charset="0"/>
+                  <a:ea typeface="Meiryo UI" panose="020B0604030504040204" pitchFamily="34" charset="-128"/>
+                  <a:cs typeface="Arial" panose="020B0604020202020204" pitchFamily="34" charset="0"/>
+                </a:rPr>
+                <a:t>Masanari Ichikawa</a:t>
+              </a:r>
+              <a:endParaRPr kumimoji="1" lang="ja-JP" altLang="en-US" sz="800" b="1">
+                <a:solidFill>
+                  <a:srgbClr val="0B65C3"/>
+                </a:solidFill>
+                <a:latin typeface="Arial" panose="020B0604020202020204" pitchFamily="34" charset="0"/>
+                <a:ea typeface="Meiryo UI" panose="020B0604030504040204" pitchFamily="34" charset="-128"/>
+                <a:cs typeface="Arial" panose="020B0604020202020204" pitchFamily="34" charset="0"/>
+              </a:endParaRPr>
+            </a:p>
+          </p:txBody>
+        </p:sp>
+      </p:grpSp>
+    </p:spTree>
+    <p:extLst>
+      <p:ext uri="{BB962C8B-B14F-4D97-AF65-F5344CB8AC3E}">
+        <p14:creationId xmlns:p14="http://schemas.microsoft.com/office/powerpoint/2010/main" val="1257514519"/>
+      </p:ext>
+    </p:extLst>
+  </p:cSld>
+  <p:clrMapOvr>
+    <a:masterClrMapping/>
+  </p:clrMapOvr>
+</p:sld>
+</file>
+
 <file path=ppt/theme/theme1.xml><?xml version="1.0" encoding="utf-8"?>
 <a:theme xmlns:a="http://schemas.openxmlformats.org/drawingml/2006/main" name="Office 2013 - 2022 テーマ">
   <a:themeElements>
